--- a/SUGDK SIF workshop - Docker.pptx
+++ b/SUGDK SIF workshop - Docker.pptx
@@ -3798,38 +3798,44 @@
               <a:buAutoNum type="arabicPeriod"/>
             </a:pPr>
             <a:r>
+              <a:rPr lang="en-US" dirty="0">
+                <a:solidFill>
+                  <a:schemeClr val="bg1"/>
+                </a:solidFill>
+                <a:latin typeface="Consolas" panose="020B0609020204030204" pitchFamily="49" charset="0"/>
+              </a:rPr>
+              <a:t>cd D:\Projects\pbering\sugdk201803</a:t>
+            </a:r>
+          </a:p>
+          <a:p>
+            <a:pPr marL="514350" indent="-514350">
+              <a:buFont typeface="+mj-lt"/>
+              <a:buAutoNum type="arabicPeriod"/>
+            </a:pPr>
+            <a:r>
+              <a:rPr lang="en-US" dirty="0">
+                <a:solidFill>
+                  <a:schemeClr val="bg1"/>
+                </a:solidFill>
+                <a:latin typeface="Consolas" panose="020B0609020204030204" pitchFamily="49" charset="0"/>
+              </a:rPr>
+              <a:t>docker-compose up </a:t>
+            </a:r>
+            <a:r>
               <a:rPr lang="en-US">
                 <a:solidFill>
                   <a:schemeClr val="bg1"/>
                 </a:solidFill>
                 <a:latin typeface="Consolas" panose="020B0609020204030204" pitchFamily="49" charset="0"/>
               </a:rPr>
-              <a:t>cd </a:t>
-            </a:r>
-            <a:r>
-              <a:rPr lang="en-US" dirty="0">
-                <a:solidFill>
-                  <a:schemeClr val="bg1"/>
-                </a:solidFill>
-                <a:latin typeface="Consolas" panose="020B0609020204030204" pitchFamily="49" charset="0"/>
-              </a:rPr>
-              <a:t>D:\Projects\pbering\sugdk201803</a:t>
-            </a:r>
-          </a:p>
-          <a:p>
-            <a:pPr marL="514350" indent="-514350">
-              <a:buFont typeface="+mj-lt"/>
-              <a:buAutoNum type="arabicPeriod"/>
-            </a:pPr>
-            <a:r>
-              <a:rPr lang="en-US" dirty="0">
-                <a:solidFill>
-                  <a:schemeClr val="bg1"/>
-                </a:solidFill>
-                <a:latin typeface="Consolas" panose="020B0609020204030204" pitchFamily="49" charset="0"/>
-              </a:rPr>
-              <a:t>docker-compose up –d</a:t>
-            </a:r>
+              <a:t>–d</a:t>
+            </a:r>
+            <a:endParaRPr lang="en-US" dirty="0">
+              <a:solidFill>
+                <a:schemeClr val="bg1"/>
+              </a:solidFill>
+              <a:latin typeface="Consolas" panose="020B0609020204030204" pitchFamily="49" charset="0"/>
+            </a:endParaRPr>
           </a:p>
           <a:p>
             <a:pPr marL="514350" indent="-514350">
@@ -3844,7 +3850,7 @@
                 <a:latin typeface="Consolas" panose="020B0609020204030204" pitchFamily="49" charset="0"/>
                 <a:hlinkClick r:id="rId2"/>
               </a:rPr>
-              <a:t>http://localhost:9000/sitecore/shell</a:t>
+              <a:t>http://localhost:9000</a:t>
             </a:r>
             <a:endParaRPr lang="en-US" dirty="0">
               <a:solidFill>
